--- a/doc/02_SlideShare/01.ネタ/２_Reactの基礎/2-5_簡単なサンプルソース.pptx
+++ b/doc/02_SlideShare/01.ネタ/２_Reactの基礎/2-5_簡単なサンプルソース.pptx
@@ -5,14 +5,18 @@
     <p:sldMasterId id="2147483648" r:id="rId1"/>
   </p:sldMasterIdLst>
   <p:notesMasterIdLst>
-    <p:notesMasterId r:id="rId7"/>
+    <p:notesMasterId r:id="rId11"/>
   </p:notesMasterIdLst>
   <p:sldIdLst>
-    <p:sldId id="272" r:id="rId2"/>
-    <p:sldId id="273" r:id="rId3"/>
-    <p:sldId id="274" r:id="rId4"/>
-    <p:sldId id="275" r:id="rId5"/>
-    <p:sldId id="276" r:id="rId6"/>
+    <p:sldId id="283" r:id="rId2"/>
+    <p:sldId id="280" r:id="rId3"/>
+    <p:sldId id="281" r:id="rId4"/>
+    <p:sldId id="282" r:id="rId5"/>
+    <p:sldId id="272" r:id="rId6"/>
+    <p:sldId id="273" r:id="rId7"/>
+    <p:sldId id="274" r:id="rId8"/>
+    <p:sldId id="275" r:id="rId9"/>
+    <p:sldId id="276" r:id="rId10"/>
   </p:sldIdLst>
   <p:sldSz cx="12192000" cy="6858000"/>
   <p:notesSz cx="6858000" cy="9144000"/>
@@ -113,7 +117,7 @@
   </p:defaultTextStyle>
   <p:extLst>
     <p:ext uri="{EFAFB233-063F-42B5-8137-9DF3F51BA10A}">
-      <p15:sldGuideLst xmlns:p15="http://schemas.microsoft.com/office/powerpoint/2012/main">
+      <p15:sldGuideLst xmlns:p15="http://schemas.microsoft.com/office/powerpoint/2012/main" xmlns="">
         <p15:guide id="1" orient="horz" pos="2160">
           <p15:clr>
             <a:srgbClr val="A4A3A4"/>
@@ -127,7 +131,7 @@
       </p15:sldGuideLst>
     </p:ext>
     <p:ext uri="{2D200454-40CA-4A62-9FC3-DE9A4176ACB9}">
-      <p15:notesGuideLst xmlns:p15="http://schemas.microsoft.com/office/powerpoint/2012/main">
+      <p15:notesGuideLst xmlns:p15="http://schemas.microsoft.com/office/powerpoint/2012/main" xmlns="">
         <p15:guide id="1" orient="horz" pos="2880">
           <p15:clr>
             <a:srgbClr val="A4A3A4"/>
@@ -227,7 +231,7 @@
             <a:fld id="{CF62E18D-AE12-454F-A1D6-19B685DC3579}" type="datetimeFigureOut">
               <a:rPr kumimoji="1" lang="ja-JP" altLang="en-US" smtClean="0"/>
               <a:pPr/>
-              <a:t>2019/1/16</a:t>
+              <a:t>2019/2/25</a:t>
             </a:fld>
             <a:endParaRPr kumimoji="1" lang="ja-JP" altLang="en-US"/>
           </a:p>
@@ -419,7 +423,7 @@
             <a:fld id="{FEC95075-C5D4-44E1-9F90-434D96595172}" type="slidenum">
               <a:rPr kumimoji="1" lang="ja-JP" altLang="en-US" smtClean="0"/>
               <a:pPr/>
-              <a:t>‹#›</a:t>
+              <a:t>&lt;#&gt;</a:t>
             </a:fld>
             <a:endParaRPr kumimoji="1" lang="ja-JP" altLang="en-US"/>
           </a:p>
@@ -428,7 +432,7 @@
     </p:spTree>
     <p:extLst>
       <p:ext uri="{BB962C8B-B14F-4D97-AF65-F5344CB8AC3E}">
-        <p14:creationId xmlns:p14="http://schemas.microsoft.com/office/powerpoint/2010/main" val="2439157943"/>
+        <p14:creationId xmlns:p14="http://schemas.microsoft.com/office/powerpoint/2010/main" xmlns="" val="2439157943"/>
       </p:ext>
     </p:extLst>
   </p:cSld>
@@ -528,6 +532,180 @@
 </p:notesMaster>
 </file>
 
+<file path=ppt/notesSlides/notesSlide1.xml><?xml version="1.0" encoding="utf-8"?>
+<p:notes xmlns:a="http://schemas.openxmlformats.org/drawingml/2006/main" xmlns:r="http://schemas.openxmlformats.org/officeDocument/2006/relationships" xmlns:p="http://schemas.openxmlformats.org/presentationml/2006/main">
+  <p:cSld>
+    <p:spTree>
+      <p:nvGrpSpPr>
+        <p:cNvPr id="1" name=""/>
+        <p:cNvGrpSpPr/>
+        <p:nvPr/>
+      </p:nvGrpSpPr>
+      <p:grpSpPr>
+        <a:xfrm>
+          <a:off x="0" y="0"/>
+          <a:ext cx="0" cy="0"/>
+          <a:chOff x="0" y="0"/>
+          <a:chExt cx="0" cy="0"/>
+        </a:xfrm>
+      </p:grpSpPr>
+      <p:sp>
+        <p:nvSpPr>
+          <p:cNvPr id="2" name="スライド イメージ プレースホルダ 1"/>
+          <p:cNvSpPr>
+            <a:spLocks noGrp="1" noRot="1" noChangeAspect="1"/>
+          </p:cNvSpPr>
+          <p:nvPr>
+            <p:ph type="sldImg"/>
+          </p:nvPr>
+        </p:nvSpPr>
+        <p:spPr/>
+      </p:sp>
+      <p:sp>
+        <p:nvSpPr>
+          <p:cNvPr id="3" name="ノート プレースホルダ 2"/>
+          <p:cNvSpPr>
+            <a:spLocks noGrp="1"/>
+          </p:cNvSpPr>
+          <p:nvPr>
+            <p:ph type="body" idx="1"/>
+          </p:nvPr>
+        </p:nvSpPr>
+        <p:spPr/>
+        <p:txBody>
+          <a:bodyPr>
+            <a:normAutofit/>
+          </a:bodyPr>
+          <a:lstStyle/>
+          <a:p>
+            <a:endParaRPr kumimoji="1" lang="ja-JP" altLang="en-US" dirty="0"/>
+          </a:p>
+        </p:txBody>
+      </p:sp>
+      <p:sp>
+        <p:nvSpPr>
+          <p:cNvPr id="4" name="スライド番号プレースホルダ 3"/>
+          <p:cNvSpPr>
+            <a:spLocks noGrp="1"/>
+          </p:cNvSpPr>
+          <p:nvPr>
+            <p:ph type="sldNum" sz="quarter" idx="10"/>
+          </p:nvPr>
+        </p:nvSpPr>
+        <p:spPr/>
+        <p:txBody>
+          <a:bodyPr/>
+          <a:lstStyle/>
+          <a:p>
+            <a:fld id="{3F4D6783-1046-44F9-81C7-F191FCFCE3C3}" type="slidenum">
+              <a:rPr kumimoji="1" lang="ja-JP" altLang="en-US" smtClean="0"/>
+              <a:pPr/>
+              <a:t>3</a:t>
+            </a:fld>
+            <a:endParaRPr kumimoji="1" lang="ja-JP" altLang="en-US"/>
+          </a:p>
+        </p:txBody>
+      </p:sp>
+    </p:spTree>
+    <p:extLst>
+      <p:ext uri="{BB962C8B-B14F-4D97-AF65-F5344CB8AC3E}">
+        <p14:creationId xmlns:p14="http://schemas.microsoft.com/office/powerpoint/2010/main" xmlns="" val="3790659166"/>
+      </p:ext>
+    </p:extLst>
+  </p:cSld>
+  <p:clrMapOvr>
+    <a:masterClrMapping/>
+  </p:clrMapOvr>
+</p:notes>
+</file>
+
+<file path=ppt/notesSlides/notesSlide2.xml><?xml version="1.0" encoding="utf-8"?>
+<p:notes xmlns:a="http://schemas.openxmlformats.org/drawingml/2006/main" xmlns:r="http://schemas.openxmlformats.org/officeDocument/2006/relationships" xmlns:p="http://schemas.openxmlformats.org/presentationml/2006/main">
+  <p:cSld>
+    <p:spTree>
+      <p:nvGrpSpPr>
+        <p:cNvPr id="1" name=""/>
+        <p:cNvGrpSpPr/>
+        <p:nvPr/>
+      </p:nvGrpSpPr>
+      <p:grpSpPr>
+        <a:xfrm>
+          <a:off x="0" y="0"/>
+          <a:ext cx="0" cy="0"/>
+          <a:chOff x="0" y="0"/>
+          <a:chExt cx="0" cy="0"/>
+        </a:xfrm>
+      </p:grpSpPr>
+      <p:sp>
+        <p:nvSpPr>
+          <p:cNvPr id="2" name="スライド イメージ プレースホルダ 1"/>
+          <p:cNvSpPr>
+            <a:spLocks noGrp="1" noRot="1" noChangeAspect="1"/>
+          </p:cNvSpPr>
+          <p:nvPr>
+            <p:ph type="sldImg"/>
+          </p:nvPr>
+        </p:nvSpPr>
+        <p:spPr/>
+      </p:sp>
+      <p:sp>
+        <p:nvSpPr>
+          <p:cNvPr id="3" name="ノート プレースホルダ 2"/>
+          <p:cNvSpPr>
+            <a:spLocks noGrp="1"/>
+          </p:cNvSpPr>
+          <p:nvPr>
+            <p:ph type="body" idx="1"/>
+          </p:nvPr>
+        </p:nvSpPr>
+        <p:spPr/>
+        <p:txBody>
+          <a:bodyPr>
+            <a:normAutofit/>
+          </a:bodyPr>
+          <a:lstStyle/>
+          <a:p>
+            <a:endParaRPr kumimoji="1" lang="ja-JP" altLang="en-US" dirty="0"/>
+          </a:p>
+        </p:txBody>
+      </p:sp>
+      <p:sp>
+        <p:nvSpPr>
+          <p:cNvPr id="4" name="スライド番号プレースホルダ 3"/>
+          <p:cNvSpPr>
+            <a:spLocks noGrp="1"/>
+          </p:cNvSpPr>
+          <p:nvPr>
+            <p:ph type="sldNum" sz="quarter" idx="10"/>
+          </p:nvPr>
+        </p:nvSpPr>
+        <p:spPr/>
+        <p:txBody>
+          <a:bodyPr/>
+          <a:lstStyle/>
+          <a:p>
+            <a:fld id="{3F4D6783-1046-44F9-81C7-F191FCFCE3C3}" type="slidenum">
+              <a:rPr kumimoji="1" lang="ja-JP" altLang="en-US" smtClean="0"/>
+              <a:pPr/>
+              <a:t>4</a:t>
+            </a:fld>
+            <a:endParaRPr kumimoji="1" lang="ja-JP" altLang="en-US"/>
+          </a:p>
+        </p:txBody>
+      </p:sp>
+    </p:spTree>
+    <p:extLst>
+      <p:ext uri="{BB962C8B-B14F-4D97-AF65-F5344CB8AC3E}">
+        <p14:creationId xmlns:p14="http://schemas.microsoft.com/office/powerpoint/2010/main" xmlns="" val="604867123"/>
+      </p:ext>
+    </p:extLst>
+  </p:cSld>
+  <p:clrMapOvr>
+    <a:masterClrMapping/>
+  </p:clrMapOvr>
+</p:notes>
+</file>
+
 <file path=ppt/slideLayouts/slideLayout1.xml><?xml version="1.0" encoding="utf-8"?>
 <p:sldLayout xmlns:a="http://schemas.openxmlformats.org/drawingml/2006/main" xmlns:r="http://schemas.openxmlformats.org/officeDocument/2006/relationships" xmlns:p="http://schemas.openxmlformats.org/presentationml/2006/main" preserve="1" userDrawn="1">
   <p:cSld name="タイトル スライド">
@@ -618,7 +796,7 @@
             <a:fld id="{2FA7D4A1-D6E2-4B97-8DF5-43A2A6E9364B}" type="datetimeFigureOut">
               <a:rPr kumimoji="1" lang="ja-JP" altLang="en-US" smtClean="0"/>
               <a:pPr/>
-              <a:t>2019/1/16</a:t>
+              <a:t>2019/2/25</a:t>
             </a:fld>
             <a:endParaRPr kumimoji="1" lang="ja-JP" altLang="en-US"/>
           </a:p>
@@ -661,7 +839,7 @@
             <a:fld id="{04C1A00E-05D2-4F1C-A9C7-4C332DD3ED03}" type="slidenum">
               <a:rPr kumimoji="1" lang="ja-JP" altLang="en-US" smtClean="0"/>
               <a:pPr/>
-              <a:t>‹#›</a:t>
+              <a:t>&lt;#&gt;</a:t>
             </a:fld>
             <a:endParaRPr kumimoji="1" lang="ja-JP" altLang="en-US"/>
           </a:p>
@@ -912,7 +1090,7 @@
           <a:blip r:embed="rId2" cstate="print">
             <a:extLst>
               <a:ext uri="{28A0092B-C50C-407E-A947-70E740481C1C}">
-                <a14:useLocalDpi xmlns:a14="http://schemas.microsoft.com/office/drawing/2010/main" val="0"/>
+                <a14:useLocalDpi xmlns:a14="http://schemas.microsoft.com/office/drawing/2010/main" xmlns="" val="0"/>
               </a:ext>
             </a:extLst>
           </a:blip>
@@ -933,7 +1111,7 @@
     </p:spTree>
     <p:extLst>
       <p:ext uri="{BB962C8B-B14F-4D97-AF65-F5344CB8AC3E}">
-        <p14:creationId xmlns:p14="http://schemas.microsoft.com/office/powerpoint/2010/main" val="2810891602"/>
+        <p14:creationId xmlns:p14="http://schemas.microsoft.com/office/powerpoint/2010/main" xmlns="" val="2810891602"/>
       </p:ext>
     </p:extLst>
   </p:cSld>
@@ -1088,7 +1266,7 @@
             <a:fld id="{2FA7D4A1-D6E2-4B97-8DF5-43A2A6E9364B}" type="datetimeFigureOut">
               <a:rPr kumimoji="1" lang="ja-JP" altLang="en-US" smtClean="0"/>
               <a:pPr/>
-              <a:t>2019/1/16</a:t>
+              <a:t>2019/2/25</a:t>
             </a:fld>
             <a:endParaRPr kumimoji="1" lang="ja-JP" altLang="en-US"/>
           </a:p>
@@ -1131,7 +1309,7 @@
             <a:fld id="{04C1A00E-05D2-4F1C-A9C7-4C332DD3ED03}" type="slidenum">
               <a:rPr kumimoji="1" lang="ja-JP" altLang="en-US" smtClean="0"/>
               <a:pPr/>
-              <a:t>‹#›</a:t>
+              <a:t>&lt;#&gt;</a:t>
             </a:fld>
             <a:endParaRPr kumimoji="1" lang="ja-JP" altLang="en-US"/>
           </a:p>
@@ -1276,7 +1454,7 @@
     </p:spTree>
     <p:extLst>
       <p:ext uri="{BB962C8B-B14F-4D97-AF65-F5344CB8AC3E}">
-        <p14:creationId xmlns:p14="http://schemas.microsoft.com/office/powerpoint/2010/main" val="3557137448"/>
+        <p14:creationId xmlns:p14="http://schemas.microsoft.com/office/powerpoint/2010/main" xmlns="" val="3557137448"/>
       </p:ext>
     </p:extLst>
   </p:cSld>
@@ -1519,7 +1697,7 @@
             <a:fld id="{2FA7D4A1-D6E2-4B97-8DF5-43A2A6E9364B}" type="datetimeFigureOut">
               <a:rPr kumimoji="1" lang="ja-JP" altLang="en-US" smtClean="0"/>
               <a:pPr/>
-              <a:t>2019/1/16</a:t>
+              <a:t>2019/2/25</a:t>
             </a:fld>
             <a:endParaRPr kumimoji="1" lang="ja-JP" altLang="en-US"/>
           </a:p>
@@ -1562,7 +1740,7 @@
             <a:fld id="{04C1A00E-05D2-4F1C-A9C7-4C332DD3ED03}" type="slidenum">
               <a:rPr kumimoji="1" lang="ja-JP" altLang="en-US" smtClean="0"/>
               <a:pPr/>
-              <a:t>‹#›</a:t>
+              <a:t>&lt;#&gt;</a:t>
             </a:fld>
             <a:endParaRPr kumimoji="1" lang="ja-JP" altLang="en-US"/>
           </a:p>
@@ -1571,7 +1749,7 @@
     </p:spTree>
     <p:extLst>
       <p:ext uri="{BB962C8B-B14F-4D97-AF65-F5344CB8AC3E}">
-        <p14:creationId xmlns:p14="http://schemas.microsoft.com/office/powerpoint/2010/main" val="3739881455"/>
+        <p14:creationId xmlns:p14="http://schemas.microsoft.com/office/powerpoint/2010/main" xmlns="" val="3739881455"/>
       </p:ext>
     </p:extLst>
   </p:cSld>
@@ -1638,7 +1816,7 @@
             <a:fld id="{2FA7D4A1-D6E2-4B97-8DF5-43A2A6E9364B}" type="datetimeFigureOut">
               <a:rPr kumimoji="1" lang="ja-JP" altLang="en-US" smtClean="0"/>
               <a:pPr/>
-              <a:t>2019/1/16</a:t>
+              <a:t>2019/2/25</a:t>
             </a:fld>
             <a:endParaRPr kumimoji="1" lang="ja-JP" altLang="en-US"/>
           </a:p>
@@ -1681,7 +1859,7 @@
             <a:fld id="{04C1A00E-05D2-4F1C-A9C7-4C332DD3ED03}" type="slidenum">
               <a:rPr kumimoji="1" lang="ja-JP" altLang="en-US" smtClean="0"/>
               <a:pPr/>
-              <a:t>‹#›</a:t>
+              <a:t>&lt;#&gt;</a:t>
             </a:fld>
             <a:endParaRPr kumimoji="1" lang="ja-JP" altLang="en-US"/>
           </a:p>
@@ -1796,7 +1974,7 @@
     </p:spTree>
     <p:extLst>
       <p:ext uri="{BB962C8B-B14F-4D97-AF65-F5344CB8AC3E}">
-        <p14:creationId xmlns:p14="http://schemas.microsoft.com/office/powerpoint/2010/main" val="2041532408"/>
+        <p14:creationId xmlns:p14="http://schemas.microsoft.com/office/powerpoint/2010/main" xmlns="" val="2041532408"/>
       </p:ext>
     </p:extLst>
   </p:cSld>
@@ -1863,7 +2041,7 @@
             <a:fld id="{2FA7D4A1-D6E2-4B97-8DF5-43A2A6E9364B}" type="datetimeFigureOut">
               <a:rPr kumimoji="1" lang="ja-JP" altLang="en-US" smtClean="0"/>
               <a:pPr/>
-              <a:t>2019/1/16</a:t>
+              <a:t>2019/2/25</a:t>
             </a:fld>
             <a:endParaRPr kumimoji="1" lang="ja-JP" altLang="en-US"/>
           </a:p>
@@ -1906,7 +2084,7 @@
             <a:fld id="{04C1A00E-05D2-4F1C-A9C7-4C332DD3ED03}" type="slidenum">
               <a:rPr kumimoji="1" lang="ja-JP" altLang="en-US" smtClean="0"/>
               <a:pPr/>
-              <a:t>‹#›</a:t>
+              <a:t>&lt;#&gt;</a:t>
             </a:fld>
             <a:endParaRPr kumimoji="1" lang="ja-JP" altLang="en-US"/>
           </a:p>
@@ -2041,7 +2219,7 @@
     </p:spTree>
     <p:extLst>
       <p:ext uri="{BB962C8B-B14F-4D97-AF65-F5344CB8AC3E}">
-        <p14:creationId xmlns:p14="http://schemas.microsoft.com/office/powerpoint/2010/main" val="1665381159"/>
+        <p14:creationId xmlns:p14="http://schemas.microsoft.com/office/powerpoint/2010/main" xmlns="" val="1665381159"/>
       </p:ext>
     </p:extLst>
   </p:cSld>
@@ -2234,7 +2412,7 @@
             <a:fld id="{2FA7D4A1-D6E2-4B97-8DF5-43A2A6E9364B}" type="datetimeFigureOut">
               <a:rPr kumimoji="1" lang="ja-JP" altLang="en-US" smtClean="0"/>
               <a:pPr/>
-              <a:t>2019/1/16</a:t>
+              <a:t>2019/2/25</a:t>
             </a:fld>
             <a:endParaRPr kumimoji="1" lang="ja-JP" altLang="en-US"/>
           </a:p>
@@ -2313,7 +2491,7 @@
             <a:fld id="{04C1A00E-05D2-4F1C-A9C7-4C332DD3ED03}" type="slidenum">
               <a:rPr kumimoji="1" lang="ja-JP" altLang="en-US" smtClean="0"/>
               <a:pPr/>
-              <a:t>‹#›</a:t>
+              <a:t>&lt;#&gt;</a:t>
             </a:fld>
             <a:endParaRPr kumimoji="1" lang="ja-JP" altLang="en-US"/>
           </a:p>
@@ -2361,7 +2539,7 @@
           <a:blip r:embed="rId7" cstate="print">
             <a:extLst>
               <a:ext uri="{28A0092B-C50C-407E-A947-70E740481C1C}">
-                <a14:useLocalDpi xmlns:a14="http://schemas.microsoft.com/office/drawing/2010/main" val="0"/>
+                <a14:useLocalDpi xmlns:a14="http://schemas.microsoft.com/office/drawing/2010/main" xmlns="" val="0"/>
               </a:ext>
             </a:extLst>
           </a:blip>
@@ -2382,7 +2560,7 @@
     </p:spTree>
     <p:extLst>
       <p:ext uri="{BB962C8B-B14F-4D97-AF65-F5344CB8AC3E}">
-        <p14:creationId xmlns:p14="http://schemas.microsoft.com/office/powerpoint/2010/main" val="1816818280"/>
+        <p14:creationId xmlns:p14="http://schemas.microsoft.com/office/powerpoint/2010/main" xmlns="" val="1816818280"/>
       </p:ext>
     </p:extLst>
   </p:cSld>
@@ -2696,6 +2874,846 @@
       </p:grpSpPr>
       <p:sp>
         <p:nvSpPr>
+          <p:cNvPr id="2" name="タイトル 1"/>
+          <p:cNvSpPr>
+            <a:spLocks noGrp="1"/>
+          </p:cNvSpPr>
+          <p:nvPr>
+            <p:ph type="title"/>
+          </p:nvPr>
+        </p:nvSpPr>
+        <p:spPr/>
+        <p:txBody>
+          <a:bodyPr/>
+          <a:lstStyle/>
+          <a:p>
+            <a:r>
+              <a:rPr lang="en-US" altLang="ja-JP" dirty="0" smtClean="0"/>
+              <a:t>2-5.</a:t>
+            </a:r>
+            <a:r>
+              <a:rPr lang="ja-JP" altLang="en-US" dirty="0" smtClean="0"/>
+              <a:t>簡単な</a:t>
+            </a:r>
+            <a:r>
+              <a:rPr lang="ja-JP" altLang="en-US" dirty="0" smtClean="0"/>
+              <a:t>サンプルソース</a:t>
+            </a:r>
+            <a:endParaRPr kumimoji="1" lang="ja-JP" altLang="en-US" dirty="0"/>
+          </a:p>
+        </p:txBody>
+      </p:sp>
+      <p:sp>
+        <p:nvSpPr>
+          <p:cNvPr id="3" name="コンテンツ プレースホルダ 2"/>
+          <p:cNvSpPr>
+            <a:spLocks noGrp="1"/>
+          </p:cNvSpPr>
+          <p:nvPr>
+            <p:ph sz="quarter" idx="13"/>
+          </p:nvPr>
+        </p:nvSpPr>
+        <p:spPr>
+          <a:xfrm>
+            <a:off x="431799" y="1054100"/>
+            <a:ext cx="11379201" cy="2237740"/>
+          </a:xfrm>
+        </p:spPr>
+        <p:txBody>
+          <a:bodyPr>
+            <a:normAutofit/>
+          </a:bodyPr>
+          <a:lstStyle/>
+          <a:p>
+            <a:r>
+              <a:rPr lang="ja-JP" altLang="en-US" dirty="0" smtClean="0"/>
+              <a:t>当該</a:t>
+            </a:r>
+            <a:r>
+              <a:rPr lang="ja-JP" altLang="en-US" dirty="0" smtClean="0"/>
+              <a:t>章では前章までで学んだ知識を活用し、実装できるアプリケーションを記載します。</a:t>
+            </a:r>
+            <a:endParaRPr lang="en-US" altLang="ja-JP" dirty="0" smtClean="0"/>
+          </a:p>
+          <a:p>
+            <a:pPr>
+              <a:buNone/>
+            </a:pPr>
+            <a:r>
+              <a:rPr lang="en-US" altLang="ja-JP" dirty="0" smtClean="0"/>
+              <a:t>	</a:t>
+            </a:r>
+            <a:r>
+              <a:rPr lang="ja-JP" altLang="en-US" dirty="0" smtClean="0"/>
+              <a:t>なお、当該章では以下のアプリケーションについて記載します。</a:t>
+            </a:r>
+            <a:endParaRPr lang="en-US" altLang="ja-JP" dirty="0" smtClean="0"/>
+          </a:p>
+          <a:p>
+            <a:pPr>
+              <a:buNone/>
+            </a:pPr>
+            <a:endParaRPr lang="en-US" altLang="ja-JP" dirty="0" smtClean="0"/>
+          </a:p>
+          <a:p>
+            <a:pPr>
+              <a:buNone/>
+            </a:pPr>
+            <a:r>
+              <a:rPr lang="en-US" altLang="ja-JP" dirty="0" smtClean="0"/>
+              <a:t>	1</a:t>
+            </a:r>
+            <a:r>
+              <a:rPr lang="ja-JP" altLang="en-US" dirty="0" smtClean="0"/>
+              <a:t>）</a:t>
+            </a:r>
+            <a:r>
+              <a:rPr lang="en-US" altLang="ja-JP" dirty="0" smtClean="0"/>
+              <a:t>Hello World</a:t>
+            </a:r>
+          </a:p>
+          <a:p>
+            <a:pPr>
+              <a:buNone/>
+            </a:pPr>
+            <a:r>
+              <a:rPr lang="en-US" altLang="ja-JP" dirty="0" smtClean="0"/>
+              <a:t> </a:t>
+            </a:r>
+            <a:r>
+              <a:rPr lang="en-US" altLang="ja-JP" dirty="0" smtClean="0"/>
+              <a:t>	2</a:t>
+            </a:r>
+            <a:r>
+              <a:rPr lang="ja-JP" altLang="en-US" dirty="0" smtClean="0"/>
+              <a:t>）時計</a:t>
+            </a:r>
+            <a:endParaRPr lang="en-US" altLang="ja-JP" dirty="0" smtClean="0"/>
+          </a:p>
+          <a:p>
+            <a:pPr>
+              <a:buNone/>
+            </a:pPr>
+            <a:endParaRPr lang="en-US" altLang="ja-JP" dirty="0" smtClean="0"/>
+          </a:p>
+        </p:txBody>
+      </p:sp>
+    </p:spTree>
+  </p:cSld>
+  <p:clrMapOvr>
+    <a:masterClrMapping/>
+  </p:clrMapOvr>
+</p:sld>
+</file>
+
+<file path=ppt/slides/slide2.xml><?xml version="1.0" encoding="utf-8"?>
+<p:sld xmlns:a="http://schemas.openxmlformats.org/drawingml/2006/main" xmlns:r="http://schemas.openxmlformats.org/officeDocument/2006/relationships" xmlns:p="http://schemas.openxmlformats.org/presentationml/2006/main">
+  <p:cSld>
+    <p:spTree>
+      <p:nvGrpSpPr>
+        <p:cNvPr id="1" name=""/>
+        <p:cNvGrpSpPr/>
+        <p:nvPr/>
+      </p:nvGrpSpPr>
+      <p:grpSpPr>
+        <a:xfrm>
+          <a:off x="0" y="0"/>
+          <a:ext cx="0" cy="0"/>
+          <a:chOff x="0" y="0"/>
+          <a:chExt cx="0" cy="0"/>
+        </a:xfrm>
+      </p:grpSpPr>
+      <p:sp>
+        <p:nvSpPr>
+          <p:cNvPr id="2" name="タイトル 1"/>
+          <p:cNvSpPr>
+            <a:spLocks noGrp="1"/>
+          </p:cNvSpPr>
+          <p:nvPr>
+            <p:ph type="title"/>
+          </p:nvPr>
+        </p:nvSpPr>
+        <p:spPr/>
+        <p:txBody>
+          <a:bodyPr>
+            <a:normAutofit/>
+          </a:bodyPr>
+          <a:lstStyle/>
+          <a:p>
+            <a:r>
+              <a:rPr lang="en-US" altLang="ja-JP" dirty="0" smtClean="0"/>
+              <a:t>2-5.</a:t>
+            </a:r>
+            <a:r>
+              <a:rPr lang="ja-JP" altLang="en-US" dirty="0" smtClean="0"/>
+              <a:t>簡単</a:t>
+            </a:r>
+            <a:r>
+              <a:rPr lang="ja-JP" altLang="en-US" dirty="0" smtClean="0"/>
+              <a:t>なサンプル</a:t>
+            </a:r>
+            <a:r>
+              <a:rPr lang="ja-JP" altLang="en-US" dirty="0" smtClean="0"/>
+              <a:t>ソース　</a:t>
+            </a:r>
+            <a:r>
+              <a:rPr lang="ja-JP" altLang="en-US" dirty="0" smtClean="0"/>
+              <a:t>～</a:t>
+            </a:r>
+            <a:r>
+              <a:rPr lang="en-US" altLang="ja-JP" dirty="0" smtClean="0"/>
+              <a:t>Hello World</a:t>
+            </a:r>
+            <a:r>
+              <a:rPr lang="ja-JP" altLang="en-US" dirty="0" smtClean="0"/>
+              <a:t>～</a:t>
+            </a:r>
+            <a:endParaRPr kumimoji="1" lang="ja-JP" altLang="en-US" dirty="0"/>
+          </a:p>
+        </p:txBody>
+      </p:sp>
+      <p:sp>
+        <p:nvSpPr>
+          <p:cNvPr id="6" name="コンテンツ プレースホルダ 5"/>
+          <p:cNvSpPr>
+            <a:spLocks noGrp="1"/>
+          </p:cNvSpPr>
+          <p:nvPr>
+            <p:ph sz="quarter" idx="13"/>
+          </p:nvPr>
+        </p:nvSpPr>
+        <p:spPr/>
+        <p:txBody>
+          <a:bodyPr/>
+          <a:lstStyle/>
+          <a:p>
+            <a:r>
+              <a:rPr lang="ja-JP" altLang="en-US" dirty="0" smtClean="0"/>
+              <a:t>完成</a:t>
+            </a:r>
+            <a:r>
+              <a:rPr lang="ja-JP" altLang="en-US" dirty="0"/>
+              <a:t>例</a:t>
+            </a:r>
+            <a:endParaRPr kumimoji="1" lang="ja-JP" altLang="en-US" dirty="0"/>
+          </a:p>
+        </p:txBody>
+      </p:sp>
+      <p:pic>
+        <p:nvPicPr>
+          <p:cNvPr id="5" name="図 4" descr="react_hello2.png"/>
+          <p:cNvPicPr>
+            <a:picLocks noChangeAspect="1"/>
+          </p:cNvPicPr>
+          <p:nvPr/>
+        </p:nvPicPr>
+        <p:blipFill>
+          <a:blip r:embed="rId2" cstate="print"/>
+          <a:stretch>
+            <a:fillRect/>
+          </a:stretch>
+        </p:blipFill>
+        <p:spPr>
+          <a:xfrm>
+            <a:off x="3386985" y="2005770"/>
+            <a:ext cx="5775590" cy="4500000"/>
+          </a:xfrm>
+          <a:prstGeom prst="rect">
+            <a:avLst/>
+          </a:prstGeom>
+        </p:spPr>
+      </p:pic>
+      <p:pic>
+        <p:nvPicPr>
+          <p:cNvPr id="7" name="図 6"/>
+          <p:cNvPicPr>
+            <a:picLocks noChangeAspect="1"/>
+          </p:cNvPicPr>
+          <p:nvPr/>
+        </p:nvPicPr>
+        <p:blipFill>
+          <a:blip r:embed="rId3" cstate="print"/>
+          <a:stretch>
+            <a:fillRect/>
+          </a:stretch>
+        </p:blipFill>
+        <p:spPr>
+          <a:xfrm>
+            <a:off x="2784053" y="2005770"/>
+            <a:ext cx="7328937" cy="4393805"/>
+          </a:xfrm>
+          <a:prstGeom prst="rect">
+            <a:avLst/>
+          </a:prstGeom>
+        </p:spPr>
+      </p:pic>
+    </p:spTree>
+  </p:cSld>
+  <p:clrMapOvr>
+    <a:masterClrMapping/>
+  </p:clrMapOvr>
+</p:sld>
+</file>
+
+<file path=ppt/slides/slide3.xml><?xml version="1.0" encoding="utf-8"?>
+<p:sld xmlns:a="http://schemas.openxmlformats.org/drawingml/2006/main" xmlns:r="http://schemas.openxmlformats.org/officeDocument/2006/relationships" xmlns:p="http://schemas.openxmlformats.org/presentationml/2006/main">
+  <p:cSld>
+    <p:spTree>
+      <p:nvGrpSpPr>
+        <p:cNvPr id="1" name=""/>
+        <p:cNvGrpSpPr/>
+        <p:nvPr/>
+      </p:nvGrpSpPr>
+      <p:grpSpPr>
+        <a:xfrm>
+          <a:off x="0" y="0"/>
+          <a:ext cx="0" cy="0"/>
+          <a:chOff x="0" y="0"/>
+          <a:chExt cx="0" cy="0"/>
+        </a:xfrm>
+      </p:grpSpPr>
+      <p:sp>
+        <p:nvSpPr>
+          <p:cNvPr id="2" name="タイトル 1"/>
+          <p:cNvSpPr>
+            <a:spLocks noGrp="1"/>
+          </p:cNvSpPr>
+          <p:nvPr>
+            <p:ph type="title"/>
+          </p:nvPr>
+        </p:nvSpPr>
+        <p:spPr/>
+        <p:txBody>
+          <a:bodyPr/>
+          <a:lstStyle/>
+          <a:p>
+            <a:r>
+              <a:rPr lang="en-US" altLang="ja-JP" dirty="0" smtClean="0"/>
+              <a:t>2-5.</a:t>
+            </a:r>
+            <a:r>
+              <a:rPr lang="ja-JP" altLang="en-US" dirty="0" smtClean="0"/>
+              <a:t>簡単</a:t>
+            </a:r>
+            <a:r>
+              <a:rPr lang="ja-JP" altLang="en-US" dirty="0" smtClean="0"/>
+              <a:t>な</a:t>
+            </a:r>
+            <a:r>
+              <a:rPr lang="ja-JP" altLang="en-US" dirty="0" smtClean="0"/>
+              <a:t>サンプル</a:t>
+            </a:r>
+            <a:r>
+              <a:rPr lang="ja-JP" altLang="en-US" dirty="0" smtClean="0"/>
+              <a:t>ソース</a:t>
+            </a:r>
+            <a:r>
+              <a:rPr lang="ja-JP" altLang="en-US" dirty="0" smtClean="0"/>
+              <a:t>　～</a:t>
+            </a:r>
+            <a:r>
+              <a:rPr lang="en-US" altLang="ja-JP" dirty="0" smtClean="0"/>
+              <a:t>Hello World</a:t>
+            </a:r>
+            <a:r>
+              <a:rPr lang="ja-JP" altLang="en-US" dirty="0" smtClean="0"/>
+              <a:t>～</a:t>
+            </a:r>
+            <a:endParaRPr kumimoji="1" lang="ja-JP" altLang="en-US" dirty="0"/>
+          </a:p>
+        </p:txBody>
+      </p:sp>
+      <p:sp>
+        <p:nvSpPr>
+          <p:cNvPr id="19" name="コンテンツ プレースホルダ 18"/>
+          <p:cNvSpPr>
+            <a:spLocks noGrp="1"/>
+          </p:cNvSpPr>
+          <p:nvPr>
+            <p:ph sz="quarter" idx="13"/>
+          </p:nvPr>
+        </p:nvSpPr>
+        <p:spPr/>
+        <p:txBody>
+          <a:bodyPr/>
+          <a:lstStyle/>
+          <a:p>
+            <a:r>
+              <a:rPr kumimoji="1" lang="en-US" altLang="ja-JP" dirty="0" smtClean="0"/>
+              <a:t>Hello World</a:t>
+            </a:r>
+            <a:endParaRPr kumimoji="1" lang="ja-JP" altLang="en-US" dirty="0"/>
+          </a:p>
+        </p:txBody>
+      </p:sp>
+      <p:sp>
+        <p:nvSpPr>
+          <p:cNvPr id="12" name="右中かっこ 11"/>
+          <p:cNvSpPr/>
+          <p:nvPr/>
+        </p:nvSpPr>
+        <p:spPr>
+          <a:xfrm>
+            <a:off x="4051495" y="2307094"/>
+            <a:ext cx="295422" cy="1392699"/>
+          </a:xfrm>
+          <a:prstGeom prst="rightBrace">
+            <a:avLst/>
+          </a:prstGeom>
+          <a:ln w="28575">
+            <a:solidFill>
+              <a:srgbClr val="FF0000"/>
+            </a:solidFill>
+          </a:ln>
+        </p:spPr>
+        <p:style>
+          <a:lnRef idx="1">
+            <a:schemeClr val="accent1"/>
+          </a:lnRef>
+          <a:fillRef idx="0">
+            <a:schemeClr val="accent1"/>
+          </a:fillRef>
+          <a:effectRef idx="0">
+            <a:schemeClr val="accent1"/>
+          </a:effectRef>
+          <a:fontRef idx="minor">
+            <a:schemeClr val="tx1"/>
+          </a:fontRef>
+        </p:style>
+        <p:txBody>
+          <a:bodyPr rtlCol="0" anchor="ctr"/>
+          <a:lstStyle/>
+          <a:p>
+            <a:pPr algn="ctr"/>
+            <a:endParaRPr kumimoji="1" lang="ja-JP" altLang="en-US"/>
+          </a:p>
+        </p:txBody>
+      </p:sp>
+      <p:sp>
+        <p:nvSpPr>
+          <p:cNvPr id="13" name="テキスト ボックス 12"/>
+          <p:cNvSpPr txBox="1"/>
+          <p:nvPr/>
+        </p:nvSpPr>
+        <p:spPr>
+          <a:xfrm>
+            <a:off x="4403187" y="2813531"/>
+            <a:ext cx="2286203" cy="369332"/>
+          </a:xfrm>
+          <a:prstGeom prst="rect">
+            <a:avLst/>
+          </a:prstGeom>
+          <a:noFill/>
+        </p:spPr>
+        <p:txBody>
+          <a:bodyPr wrap="none" rtlCol="0">
+            <a:spAutoFit/>
+          </a:bodyPr>
+          <a:lstStyle/>
+          <a:p>
+            <a:r>
+              <a:rPr kumimoji="1" lang="ja-JP" altLang="en-US" dirty="0" smtClean="0">
+                <a:solidFill>
+                  <a:schemeClr val="bg1"/>
+                </a:solidFill>
+              </a:rPr>
+              <a:t>①コンポーネントを定義</a:t>
+            </a:r>
+            <a:endParaRPr kumimoji="1" lang="ja-JP" altLang="en-US" dirty="0">
+              <a:solidFill>
+                <a:schemeClr val="bg1"/>
+              </a:solidFill>
+            </a:endParaRPr>
+          </a:p>
+        </p:txBody>
+      </p:sp>
+      <p:sp>
+        <p:nvSpPr>
+          <p:cNvPr id="14" name="右中かっこ 13"/>
+          <p:cNvSpPr/>
+          <p:nvPr/>
+        </p:nvSpPr>
+        <p:spPr>
+          <a:xfrm rot="5400000">
+            <a:off x="3513408" y="1304772"/>
+            <a:ext cx="337623" cy="5268353"/>
+          </a:xfrm>
+          <a:prstGeom prst="rightBrace">
+            <a:avLst/>
+          </a:prstGeom>
+          <a:ln w="28575">
+            <a:solidFill>
+              <a:srgbClr val="FF0000"/>
+            </a:solidFill>
+          </a:ln>
+        </p:spPr>
+        <p:style>
+          <a:lnRef idx="1">
+            <a:schemeClr val="accent1"/>
+          </a:lnRef>
+          <a:fillRef idx="0">
+            <a:schemeClr val="accent1"/>
+          </a:fillRef>
+          <a:effectRef idx="0">
+            <a:schemeClr val="accent1"/>
+          </a:effectRef>
+          <a:fontRef idx="minor">
+            <a:schemeClr val="tx1"/>
+          </a:fontRef>
+        </p:style>
+        <p:txBody>
+          <a:bodyPr rtlCol="0" anchor="ctr"/>
+          <a:lstStyle/>
+          <a:p>
+            <a:pPr algn="ctr"/>
+            <a:endParaRPr kumimoji="1" lang="ja-JP" altLang="en-US"/>
+          </a:p>
+        </p:txBody>
+      </p:sp>
+      <p:sp>
+        <p:nvSpPr>
+          <p:cNvPr id="15" name="テキスト ボックス 14"/>
+          <p:cNvSpPr txBox="1"/>
+          <p:nvPr/>
+        </p:nvSpPr>
+        <p:spPr>
+          <a:xfrm>
+            <a:off x="2614245" y="4260154"/>
+            <a:ext cx="2300630" cy="369332"/>
+          </a:xfrm>
+          <a:prstGeom prst="rect">
+            <a:avLst/>
+          </a:prstGeom>
+          <a:noFill/>
+        </p:spPr>
+        <p:txBody>
+          <a:bodyPr wrap="none" rtlCol="0">
+            <a:spAutoFit/>
+          </a:bodyPr>
+          <a:lstStyle/>
+          <a:p>
+            <a:r>
+              <a:rPr kumimoji="1" lang="ja-JP" altLang="en-US" dirty="0" smtClean="0"/>
+              <a:t>②コンポーネントの描画</a:t>
+            </a:r>
+            <a:endParaRPr kumimoji="1" lang="ja-JP" altLang="en-US" dirty="0"/>
+          </a:p>
+        </p:txBody>
+      </p:sp>
+      <p:sp>
+        <p:nvSpPr>
+          <p:cNvPr id="21" name="テキスト ボックス 20"/>
+          <p:cNvSpPr txBox="1"/>
+          <p:nvPr/>
+        </p:nvSpPr>
+        <p:spPr>
+          <a:xfrm>
+            <a:off x="7295839" y="3586311"/>
+            <a:ext cx="4809141" cy="646331"/>
+          </a:xfrm>
+          <a:prstGeom prst="rect">
+            <a:avLst/>
+          </a:prstGeom>
+          <a:noFill/>
+        </p:spPr>
+        <p:txBody>
+          <a:bodyPr wrap="square" rtlCol="0">
+            <a:spAutoFit/>
+          </a:bodyPr>
+          <a:lstStyle/>
+          <a:p>
+            <a:r>
+              <a:rPr lang="en-US" altLang="ja-JP" dirty="0" smtClean="0"/>
+              <a:t>※HTML</a:t>
+            </a:r>
+            <a:r>
+              <a:rPr lang="ja-JP" altLang="en-US" dirty="0" smtClean="0"/>
+              <a:t>タグを直接</a:t>
+            </a:r>
+            <a:r>
+              <a:rPr lang="en-US" altLang="ja-JP" dirty="0" smtClean="0"/>
+              <a:t>return</a:t>
+            </a:r>
+            <a:r>
+              <a:rPr lang="ja-JP" altLang="en-US" dirty="0" smtClean="0"/>
+              <a:t>する書き方を</a:t>
+            </a:r>
+            <a:endParaRPr lang="en-US" altLang="ja-JP" dirty="0" smtClean="0"/>
+          </a:p>
+          <a:p>
+            <a:r>
+              <a:rPr lang="ja-JP" altLang="en-US" dirty="0" smtClean="0"/>
+              <a:t>実現しているのが</a:t>
+            </a:r>
+            <a:r>
+              <a:rPr lang="en-US" altLang="ja-JP" dirty="0" smtClean="0"/>
+              <a:t>JSX</a:t>
+            </a:r>
+            <a:endParaRPr kumimoji="1" lang="ja-JP" altLang="en-US" dirty="0"/>
+          </a:p>
+        </p:txBody>
+      </p:sp>
+      <p:pic>
+        <p:nvPicPr>
+          <p:cNvPr id="5" name="図 4"/>
+          <p:cNvPicPr>
+            <a:picLocks noChangeAspect="1"/>
+          </p:cNvPicPr>
+          <p:nvPr/>
+        </p:nvPicPr>
+        <p:blipFill>
+          <a:blip r:embed="rId3" cstate="print"/>
+          <a:stretch>
+            <a:fillRect/>
+          </a:stretch>
+        </p:blipFill>
+        <p:spPr>
+          <a:xfrm>
+            <a:off x="667481" y="2156345"/>
+            <a:ext cx="6135103" cy="4361447"/>
+          </a:xfrm>
+          <a:prstGeom prst="rect">
+            <a:avLst/>
+          </a:prstGeom>
+        </p:spPr>
+      </p:pic>
+    </p:spTree>
+  </p:cSld>
+  <p:clrMapOvr>
+    <a:masterClrMapping/>
+  </p:clrMapOvr>
+  <p:timing>
+    <p:tnLst>
+      <p:par>
+        <p:cTn id="1" dur="indefinite" restart="never" nodeType="tmRoot"/>
+      </p:par>
+    </p:tnLst>
+  </p:timing>
+</p:sld>
+</file>
+
+<file path=ppt/slides/slide4.xml><?xml version="1.0" encoding="utf-8"?>
+<p:sld xmlns:a="http://schemas.openxmlformats.org/drawingml/2006/main" xmlns:r="http://schemas.openxmlformats.org/officeDocument/2006/relationships" xmlns:p="http://schemas.openxmlformats.org/presentationml/2006/main">
+  <p:cSld>
+    <p:spTree>
+      <p:nvGrpSpPr>
+        <p:cNvPr id="1" name=""/>
+        <p:cNvGrpSpPr/>
+        <p:nvPr/>
+      </p:nvGrpSpPr>
+      <p:grpSpPr>
+        <a:xfrm>
+          <a:off x="0" y="0"/>
+          <a:ext cx="0" cy="0"/>
+          <a:chOff x="0" y="0"/>
+          <a:chExt cx="0" cy="0"/>
+        </a:xfrm>
+      </p:grpSpPr>
+      <p:sp>
+        <p:nvSpPr>
+          <p:cNvPr id="2" name="タイトル 1"/>
+          <p:cNvSpPr>
+            <a:spLocks noGrp="1"/>
+          </p:cNvSpPr>
+          <p:nvPr>
+            <p:ph type="title"/>
+          </p:nvPr>
+        </p:nvSpPr>
+        <p:spPr/>
+        <p:txBody>
+          <a:bodyPr/>
+          <a:lstStyle/>
+          <a:p>
+            <a:r>
+              <a:rPr lang="en-US" altLang="ja-JP" dirty="0" smtClean="0"/>
+              <a:t>2-5.</a:t>
+            </a:r>
+            <a:r>
+              <a:rPr lang="ja-JP" altLang="en-US" dirty="0" smtClean="0"/>
+              <a:t>簡単</a:t>
+            </a:r>
+            <a:r>
+              <a:rPr lang="ja-JP" altLang="en-US" dirty="0" smtClean="0"/>
+              <a:t>なサンプル</a:t>
+            </a:r>
+            <a:r>
+              <a:rPr lang="ja-JP" altLang="en-US" dirty="0" smtClean="0"/>
+              <a:t>ソース　～</a:t>
+            </a:r>
+            <a:r>
+              <a:rPr lang="en-US" altLang="ja-JP" dirty="0" smtClean="0"/>
+              <a:t>Hello World</a:t>
+            </a:r>
+            <a:r>
+              <a:rPr lang="ja-JP" altLang="en-US" dirty="0" smtClean="0"/>
+              <a:t>～</a:t>
+            </a:r>
+            <a:endParaRPr kumimoji="1" lang="ja-JP" altLang="en-US" dirty="0"/>
+          </a:p>
+        </p:txBody>
+      </p:sp>
+      <p:sp>
+        <p:nvSpPr>
+          <p:cNvPr id="19" name="コンテンツ プレースホルダ 18"/>
+          <p:cNvSpPr>
+            <a:spLocks noGrp="1"/>
+          </p:cNvSpPr>
+          <p:nvPr>
+            <p:ph sz="quarter" idx="13"/>
+          </p:nvPr>
+        </p:nvSpPr>
+        <p:spPr/>
+        <p:txBody>
+          <a:bodyPr/>
+          <a:lstStyle/>
+          <a:p>
+            <a:r>
+              <a:rPr kumimoji="1" lang="en-US" altLang="ja-JP" dirty="0" smtClean="0"/>
+              <a:t>Hello World</a:t>
+            </a:r>
+            <a:endParaRPr kumimoji="1" lang="ja-JP" altLang="en-US" dirty="0"/>
+          </a:p>
+        </p:txBody>
+      </p:sp>
+      <p:sp>
+        <p:nvSpPr>
+          <p:cNvPr id="13" name="テキスト ボックス 12"/>
+          <p:cNvSpPr txBox="1"/>
+          <p:nvPr/>
+        </p:nvSpPr>
+        <p:spPr>
+          <a:xfrm>
+            <a:off x="4403187" y="2813531"/>
+            <a:ext cx="2286203" cy="369332"/>
+          </a:xfrm>
+          <a:prstGeom prst="rect">
+            <a:avLst/>
+          </a:prstGeom>
+          <a:noFill/>
+        </p:spPr>
+        <p:txBody>
+          <a:bodyPr wrap="none" rtlCol="0">
+            <a:spAutoFit/>
+          </a:bodyPr>
+          <a:lstStyle/>
+          <a:p>
+            <a:r>
+              <a:rPr kumimoji="1" lang="ja-JP" altLang="en-US" dirty="0" smtClean="0">
+                <a:solidFill>
+                  <a:schemeClr val="bg1"/>
+                </a:solidFill>
+              </a:rPr>
+              <a:t>①コンポーネントを定義</a:t>
+            </a:r>
+            <a:endParaRPr kumimoji="1" lang="ja-JP" altLang="en-US" dirty="0">
+              <a:solidFill>
+                <a:schemeClr val="bg1"/>
+              </a:solidFill>
+            </a:endParaRPr>
+          </a:p>
+        </p:txBody>
+      </p:sp>
+      <p:sp>
+        <p:nvSpPr>
+          <p:cNvPr id="21" name="テキスト ボックス 20"/>
+          <p:cNvSpPr txBox="1"/>
+          <p:nvPr/>
+        </p:nvSpPr>
+        <p:spPr>
+          <a:xfrm>
+            <a:off x="9070048" y="3810844"/>
+            <a:ext cx="2980926" cy="369332"/>
+          </a:xfrm>
+          <a:prstGeom prst="rect">
+            <a:avLst/>
+          </a:prstGeom>
+          <a:noFill/>
+        </p:spPr>
+        <p:txBody>
+          <a:bodyPr wrap="square" rtlCol="0">
+            <a:spAutoFit/>
+          </a:bodyPr>
+          <a:lstStyle/>
+          <a:p>
+            <a:r>
+              <a:rPr lang="en-US" altLang="ja-JP" dirty="0" smtClean="0"/>
+              <a:t>※App.js</a:t>
+            </a:r>
+            <a:r>
+              <a:rPr lang="ja-JP" altLang="en-US" dirty="0" err="1" smtClean="0"/>
+              <a:t>を描</a:t>
+            </a:r>
+            <a:r>
+              <a:rPr lang="ja-JP" altLang="en-US" dirty="0" smtClean="0"/>
+              <a:t>画します</a:t>
+            </a:r>
+            <a:endParaRPr kumimoji="1" lang="ja-JP" altLang="en-US" dirty="0"/>
+          </a:p>
+        </p:txBody>
+      </p:sp>
+      <p:pic>
+        <p:nvPicPr>
+          <p:cNvPr id="3" name="図 2"/>
+          <p:cNvPicPr>
+            <a:picLocks noChangeAspect="1"/>
+          </p:cNvPicPr>
+          <p:nvPr/>
+        </p:nvPicPr>
+        <p:blipFill>
+          <a:blip r:embed="rId3" cstate="print"/>
+          <a:stretch>
+            <a:fillRect/>
+          </a:stretch>
+        </p:blipFill>
+        <p:spPr>
+          <a:xfrm>
+            <a:off x="431799" y="2082863"/>
+            <a:ext cx="8452894" cy="3455962"/>
+          </a:xfrm>
+          <a:prstGeom prst="rect">
+            <a:avLst/>
+          </a:prstGeom>
+        </p:spPr>
+      </p:pic>
+    </p:spTree>
+    <p:extLst>
+      <p:ext uri="{BB962C8B-B14F-4D97-AF65-F5344CB8AC3E}">
+        <p14:creationId xmlns:p14="http://schemas.microsoft.com/office/powerpoint/2010/main" xmlns="" val="1742985703"/>
+      </p:ext>
+    </p:extLst>
+  </p:cSld>
+  <p:clrMapOvr>
+    <a:masterClrMapping/>
+  </p:clrMapOvr>
+  <p:timing>
+    <p:tnLst>
+      <p:par>
+        <p:cTn id="1" dur="indefinite" restart="never" nodeType="tmRoot"/>
+      </p:par>
+    </p:tnLst>
+  </p:timing>
+</p:sld>
+</file>
+
+<file path=ppt/slides/slide5.xml><?xml version="1.0" encoding="utf-8"?>
+<p:sld xmlns:a="http://schemas.openxmlformats.org/drawingml/2006/main" xmlns:r="http://schemas.openxmlformats.org/officeDocument/2006/relationships" xmlns:p="http://schemas.openxmlformats.org/presentationml/2006/main">
+  <p:cSld>
+    <p:spTree>
+      <p:nvGrpSpPr>
+        <p:cNvPr id="1" name=""/>
+        <p:cNvGrpSpPr/>
+        <p:nvPr/>
+      </p:nvGrpSpPr>
+      <p:grpSpPr>
+        <a:xfrm>
+          <a:off x="0" y="0"/>
+          <a:ext cx="0" cy="0"/>
+          <a:chOff x="0" y="0"/>
+          <a:chExt cx="0" cy="0"/>
+        </a:xfrm>
+      </p:grpSpPr>
+      <p:sp>
+        <p:nvSpPr>
           <p:cNvPr id="6" name="タイトル 5"/>
           <p:cNvSpPr>
             <a:spLocks noGrp="1"/>
@@ -2715,7 +3733,15 @@
             </a:r>
             <a:r>
               <a:rPr lang="ja-JP" altLang="en-US" dirty="0" smtClean="0"/>
-              <a:t>簡単なソースサンプル　～時計～</a:t>
+              <a:t>簡単</a:t>
+            </a:r>
+            <a:r>
+              <a:rPr lang="ja-JP" altLang="en-US" dirty="0" smtClean="0"/>
+              <a:t>なサンプルソース</a:t>
+            </a:r>
+            <a:r>
+              <a:rPr lang="ja-JP" altLang="en-US" dirty="0" smtClean="0"/>
+              <a:t>　～時計～</a:t>
             </a:r>
             <a:endParaRPr kumimoji="1" lang="ja-JP" altLang="en-US" dirty="0"/>
           </a:p>
@@ -2860,7 +3886,7 @@
 </p:sld>
 </file>
 
-<file path=ppt/slides/slide2.xml><?xml version="1.0" encoding="utf-8"?>
+<file path=ppt/slides/slide6.xml><?xml version="1.0" encoding="utf-8"?>
 <p:sld xmlns:a="http://schemas.openxmlformats.org/drawingml/2006/main" xmlns:r="http://schemas.openxmlformats.org/officeDocument/2006/relationships" xmlns:p="http://schemas.openxmlformats.org/presentationml/2006/main">
   <p:cSld>
     <p:spTree>
@@ -2898,7 +3924,7 @@
             </a:r>
             <a:r>
               <a:rPr lang="ja-JP" altLang="en-US" dirty="0" smtClean="0"/>
-              <a:t>簡単なソースサンプル　～時計～</a:t>
+              <a:t>簡単なサンプルソース　～時計～</a:t>
             </a:r>
             <a:endParaRPr kumimoji="1" lang="ja-JP" altLang="en-US" dirty="0"/>
           </a:p>
@@ -3090,7 +4116,7 @@
 </p:sld>
 </file>
 
-<file path=ppt/slides/slide3.xml><?xml version="1.0" encoding="utf-8"?>
+<file path=ppt/slides/slide7.xml><?xml version="1.0" encoding="utf-8"?>
 <p:sld xmlns:a="http://schemas.openxmlformats.org/drawingml/2006/main" xmlns:r="http://schemas.openxmlformats.org/officeDocument/2006/relationships" xmlns:p="http://schemas.openxmlformats.org/presentationml/2006/main">
   <p:cSld>
     <p:spTree>
@@ -3128,7 +4154,7 @@
             </a:r>
             <a:r>
               <a:rPr lang="ja-JP" altLang="en-US" dirty="0" smtClean="0"/>
-              <a:t>簡単なソースサンプル　～時計～</a:t>
+              <a:t>簡単なサンプルソース　～時計～</a:t>
             </a:r>
             <a:endParaRPr kumimoji="1" lang="ja-JP" altLang="en-US" dirty="0"/>
           </a:p>
@@ -3394,7 +4420,7 @@
 </p:sld>
 </file>
 
-<file path=ppt/slides/slide4.xml><?xml version="1.0" encoding="utf-8"?>
+<file path=ppt/slides/slide8.xml><?xml version="1.0" encoding="utf-8"?>
 <p:sld xmlns:a="http://schemas.openxmlformats.org/drawingml/2006/main" xmlns:r="http://schemas.openxmlformats.org/officeDocument/2006/relationships" xmlns:p="http://schemas.openxmlformats.org/presentationml/2006/main">
   <p:cSld>
     <p:spTree>
@@ -3432,7 +4458,7 @@
             </a:r>
             <a:r>
               <a:rPr lang="ja-JP" altLang="en-US" dirty="0" smtClean="0"/>
-              <a:t>簡単なソースサンプル　～時計～</a:t>
+              <a:t>簡単なサンプルソース　～時計～</a:t>
             </a:r>
             <a:endParaRPr kumimoji="1" lang="ja-JP" altLang="en-US" dirty="0"/>
           </a:p>
@@ -3667,7 +4693,7 @@
 </p:sld>
 </file>
 
-<file path=ppt/slides/slide5.xml><?xml version="1.0" encoding="utf-8"?>
+<file path=ppt/slides/slide9.xml><?xml version="1.0" encoding="utf-8"?>
 <p:sld xmlns:a="http://schemas.openxmlformats.org/drawingml/2006/main" xmlns:r="http://schemas.openxmlformats.org/officeDocument/2006/relationships" xmlns:p="http://schemas.openxmlformats.org/presentationml/2006/main">
   <p:cSld>
     <p:spTree>
@@ -3705,7 +4731,7 @@
             </a:r>
             <a:r>
               <a:rPr lang="ja-JP" altLang="en-US" dirty="0" smtClean="0"/>
-              <a:t>簡単なソースサンプル　～時計～</a:t>
+              <a:t>簡単なサンプルソース　～時計～</a:t>
             </a:r>
             <a:endParaRPr kumimoji="1" lang="ja-JP" altLang="en-US" dirty="0"/>
           </a:p>
@@ -4109,7 +5135,7 @@
   <a:extraClrSchemeLst/>
   <a:extLst>
     <a:ext uri="{05A4C25C-085E-4340-85A3-A5531E510DB2}">
-      <thm15:themeFamily xmlns:thm15="http://schemas.microsoft.com/office/thememl/2012/main" name="Office Theme" id="{62F939B6-93AF-4DB8-9C6B-D6C7DFDC589F}" vid="{4A3C46E8-61CC-4603-A589-7422A47A8E4A}"/>
+      <thm15:themeFamily xmlns:thm15="http://schemas.microsoft.com/office/thememl/2012/main" xmlns="" name="Office Theme" id="{62F939B6-93AF-4DB8-9C6B-D6C7DFDC589F}" vid="{4A3C46E8-61CC-4603-A589-7422A47A8E4A}"/>
     </a:ext>
   </a:extLst>
 </a:theme>
@@ -4370,7 +5396,7 @@
   <a:extraClrSchemeLst/>
   <a:extLst>
     <a:ext uri="{05A4C25C-085E-4340-85A3-A5531E510DB2}">
-      <thm15:themeFamily xmlns:thm15="http://schemas.microsoft.com/office/thememl/2012/main" name="Office Theme" id="{62F939B6-93AF-4DB8-9C6B-D6C7DFDC589F}" vid="{4A3C46E8-61CC-4603-A589-7422A47A8E4A}"/>
+      <thm15:themeFamily xmlns:thm15="http://schemas.microsoft.com/office/thememl/2012/main" xmlns="" name="Office Theme" id="{62F939B6-93AF-4DB8-9C6B-D6C7DFDC589F}" vid="{4A3C46E8-61CC-4603-A589-7422A47A8E4A}"/>
     </a:ext>
   </a:extLst>
 </a:theme>
